--- a/Group Project - 1.pptx
+++ b/Group Project - 1.pptx
@@ -8,6 +8,7 @@
     <p:sldId id="256" r:id="rId2"/>
     <p:sldId id="257" r:id="rId3"/>
     <p:sldId id="258" r:id="rId4"/>
+    <p:sldId id="259" r:id="rId5"/>
   </p:sldIdLst>
   <p:sldSz cx="12192000" cy="6858000"/>
   <p:notesSz cx="6858000" cy="9144000"/>
@@ -114,9 +115,13 @@
             <p14:sldId id="256"/>
             <p14:sldId id="257"/>
             <p14:sldId id="258"/>
+            <p14:sldId id="259"/>
           </p14:sldIdLst>
         </p14:section>
       </p14:sectionLst>
+    </p:ext>
+    <p:ext uri="{EFAFB233-063F-42B5-8137-9DF3F51BA10A}">
+      <p15:sldGuideLst xmlns:p15="http://schemas.microsoft.com/office/powerpoint/2012/main"/>
     </p:ext>
   </p:extLst>
 </p:presentation>
@@ -217,7 +222,7 @@
           <a:effectLst/>
           <a:extLst>
             <a:ext uri="{91240B29-F687-4f45-9708-019B960494DF}">
-              <a14:hiddenLine xmlns:a14="http://schemas.microsoft.com/office/drawing/2010/main" xmlns="" w="9525">
+              <a14:hiddenLine xmlns="" xmlns:a14="http://schemas.microsoft.com/office/drawing/2010/main" w="9525">
                 <a:solidFill>
                   <a:srgbClr val="000000"/>
                 </a:solidFill>
@@ -1750,7 +1755,7 @@
           <a:ln/>
           <a:extLst>
             <a:ext uri="{91240B29-F687-4f45-9708-019B960494DF}">
-              <a14:hiddenLine xmlns:a14="http://schemas.microsoft.com/office/drawing/2010/main" xmlns="" w="9525">
+              <a14:hiddenLine xmlns="" xmlns:a14="http://schemas.microsoft.com/office/drawing/2010/main" w="9525">
                 <a:solidFill>
                   <a:srgbClr val="000000"/>
                 </a:solidFill>
@@ -2027,7 +2032,7 @@
           <a:ln/>
           <a:extLst>
             <a:ext uri="{91240B29-F687-4f45-9708-019B960494DF}">
-              <a14:hiddenLine xmlns:a14="http://schemas.microsoft.com/office/drawing/2010/main" xmlns="" w="9525">
+              <a14:hiddenLine xmlns="" xmlns:a14="http://schemas.microsoft.com/office/drawing/2010/main" w="9525">
                 <a:solidFill>
                   <a:srgbClr val="000000"/>
                 </a:solidFill>
@@ -2312,7 +2317,7 @@
           <a:ln/>
           <a:extLst>
             <a:ext uri="{91240B29-F687-4f45-9708-019B960494DF}">
-              <a14:hiddenLine xmlns:a14="http://schemas.microsoft.com/office/drawing/2010/main" xmlns="" w="9525">
+              <a14:hiddenLine xmlns="" xmlns:a14="http://schemas.microsoft.com/office/drawing/2010/main" w="9525">
                 <a:solidFill>
                   <a:srgbClr val="000000"/>
                 </a:solidFill>
@@ -2942,7 +2947,7 @@
           <a:ln/>
           <a:extLst>
             <a:ext uri="{91240B29-F687-4f45-9708-019B960494DF}">
-              <a14:hiddenLine xmlns:a14="http://schemas.microsoft.com/office/drawing/2010/main" xmlns="" w="9525">
+              <a14:hiddenLine xmlns="" xmlns:a14="http://schemas.microsoft.com/office/drawing/2010/main" w="9525">
                 <a:solidFill>
                   <a:srgbClr val="000000"/>
                 </a:solidFill>
@@ -3283,7 +3288,7 @@
           <a:ln/>
           <a:extLst>
             <a:ext uri="{91240B29-F687-4f45-9708-019B960494DF}">
-              <a14:hiddenLine xmlns:a14="http://schemas.microsoft.com/office/drawing/2010/main" xmlns="" w="9525">
+              <a14:hiddenLine xmlns="" xmlns:a14="http://schemas.microsoft.com/office/drawing/2010/main" w="9525">
                 <a:solidFill>
                   <a:srgbClr val="000000"/>
                 </a:solidFill>
@@ -3762,7 +3767,7 @@
           <a:ln/>
           <a:extLst>
             <a:ext uri="{91240B29-F687-4f45-9708-019B960494DF}">
-              <a14:hiddenLine xmlns:a14="http://schemas.microsoft.com/office/drawing/2010/main" xmlns="" w="9525">
+              <a14:hiddenLine xmlns="" xmlns:a14="http://schemas.microsoft.com/office/drawing/2010/main" w="9525">
                 <a:solidFill>
                   <a:srgbClr val="000000"/>
                 </a:solidFill>
@@ -4195,7 +4200,7 @@
           <a:ln/>
           <a:extLst>
             <a:ext uri="{91240B29-F687-4f45-9708-019B960494DF}">
-              <a14:hiddenLine xmlns:a14="http://schemas.microsoft.com/office/drawing/2010/main" xmlns="" w="9525">
+              <a14:hiddenLine xmlns="" xmlns:a14="http://schemas.microsoft.com/office/drawing/2010/main" w="9525">
                 <a:solidFill>
                   <a:srgbClr val="000000"/>
                 </a:solidFill>
@@ -5819,19 +5824,217 @@
             <p:ph idx="1"/>
           </p:nvPr>
         </p:nvSpPr>
-        <p:spPr/>
-        <p:txBody>
-          <a:bodyPr/>
-          <a:lstStyle/>
-          <a:p>
-            <a:endParaRPr lang="zh-CN" altLang="en-US" dirty="0"/>
-          </a:p>
-        </p:txBody>
-      </p:sp>
+        <p:spPr>
+          <a:xfrm>
+            <a:off x="399612" y="2051324"/>
+            <a:ext cx="10554574" cy="4359488"/>
+          </a:xfrm>
+        </p:spPr>
+        <p:txBody>
+          <a:bodyPr>
+            <a:normAutofit/>
+          </a:bodyPr>
+          <a:lstStyle/>
+          <a:p>
+            <a:pPr>
+              <a:buClr>
+                <a:schemeClr val="tx1"/>
+              </a:buClr>
+              <a:buFont typeface="+mj-lt"/>
+              <a:buAutoNum type="arabicPeriod"/>
+            </a:pPr>
+            <a:r>
+              <a:rPr lang="en-US" altLang="zh-CN" sz="2000" dirty="0"/>
+              <a:t>The dataset contains the number of solar panels, along with the amount of solar energy generated and carbon dioxide abatement in different cities of United States.</a:t>
+            </a:r>
+          </a:p>
+          <a:p>
+            <a:pPr lvl="1">
+              <a:buClr>
+                <a:schemeClr val="tx1"/>
+              </a:buClr>
+              <a:buFont typeface="Wingdings" panose="05000000000000000000" pitchFamily="2" charset="2"/>
+              <a:buChar char="l"/>
+            </a:pPr>
+            <a:r>
+              <a:rPr lang="en-US" altLang="zh-CN" sz="1800" dirty="0"/>
+              <a:t>Dataset Source: </a:t>
+            </a:r>
+            <a:r>
+              <a:rPr lang="en-US" altLang="zh-CN" sz="1800" dirty="0">
+                <a:hlinkClick r:id="rId2"/>
+              </a:rPr>
+              <a:t>Kaggle</a:t>
+            </a:r>
+            <a:endParaRPr lang="en-US" altLang="zh-CN" sz="1800" dirty="0"/>
+          </a:p>
+          <a:p>
+            <a:pPr>
+              <a:buClr>
+                <a:schemeClr val="tx1"/>
+              </a:buClr>
+              <a:buFont typeface="+mj-lt"/>
+              <a:buAutoNum type="arabicPeriod"/>
+            </a:pPr>
+            <a:r>
+              <a:rPr lang="en-US" altLang="zh-CN" sz="2000" dirty="0"/>
+              <a:t>7,899 observations and 26 variables (After rearrangement)</a:t>
+            </a:r>
+          </a:p>
+          <a:p>
+            <a:pPr lvl="1">
+              <a:buClr>
+                <a:schemeClr val="tx1"/>
+              </a:buClr>
+            </a:pPr>
+            <a:endParaRPr lang="en-US" altLang="zh-CN" sz="1800" dirty="0"/>
+          </a:p>
+          <a:p>
+            <a:pPr>
+              <a:buClr>
+                <a:schemeClr val="tx1"/>
+              </a:buClr>
+              <a:buFont typeface="+mj-lt"/>
+              <a:buAutoNum type="arabicPeriod"/>
+            </a:pPr>
+            <a:endParaRPr lang="en-US" altLang="zh-CN" sz="2000" dirty="0"/>
+          </a:p>
+          <a:p>
+            <a:pPr>
+              <a:buClr>
+                <a:schemeClr val="tx1"/>
+              </a:buClr>
+              <a:buFont typeface="+mj-lt"/>
+              <a:buAutoNum type="arabicPeriod"/>
+            </a:pPr>
+            <a:endParaRPr lang="en-US" altLang="zh-CN" sz="2000" dirty="0"/>
+          </a:p>
+          <a:p>
+            <a:pPr>
+              <a:buClr>
+                <a:schemeClr val="tx1"/>
+              </a:buClr>
+              <a:buFont typeface="+mj-lt"/>
+              <a:buAutoNum type="arabicPeriod"/>
+            </a:pPr>
+            <a:endParaRPr lang="zh-CN" altLang="en-US" sz="2000" dirty="0"/>
+          </a:p>
+        </p:txBody>
+      </p:sp>
+      <p:pic>
+        <p:nvPicPr>
+          <p:cNvPr id="5" name="Picture 4">
+            <a:extLst>
+              <a:ext uri="{FF2B5EF4-FFF2-40B4-BE49-F238E27FC236}">
+                <a16:creationId xmlns:a16="http://schemas.microsoft.com/office/drawing/2014/main" id="{F29B9850-2826-454B-8FE3-866A3102D4EB}"/>
+              </a:ext>
+            </a:extLst>
+          </p:cNvPr>
+          <p:cNvPicPr>
+            <a:picLocks noChangeAspect="1"/>
+          </p:cNvPicPr>
+          <p:nvPr/>
+        </p:nvPicPr>
+        <p:blipFill>
+          <a:blip r:embed="rId3"/>
+          <a:stretch>
+            <a:fillRect/>
+          </a:stretch>
+        </p:blipFill>
+        <p:spPr>
+          <a:xfrm>
+            <a:off x="911992" y="4492586"/>
+            <a:ext cx="10042194" cy="1918226"/>
+          </a:xfrm>
+          <a:prstGeom prst="rect">
+            <a:avLst/>
+          </a:prstGeom>
+        </p:spPr>
+      </p:pic>
     </p:spTree>
     <p:extLst>
       <p:ext uri="{BB962C8B-B14F-4D97-AF65-F5344CB8AC3E}">
         <p14:creationId xmlns:p14="http://schemas.microsoft.com/office/powerpoint/2010/main" val="3045140544"/>
+      </p:ext>
+    </p:extLst>
+  </p:cSld>
+  <p:clrMapOvr>
+    <a:masterClrMapping/>
+  </p:clrMapOvr>
+</p:sld>
+</file>
+
+<file path=ppt/slides/slide4.xml><?xml version="1.0" encoding="utf-8"?>
+<p:sld xmlns:a="http://schemas.openxmlformats.org/drawingml/2006/main" xmlns:r="http://schemas.openxmlformats.org/officeDocument/2006/relationships" xmlns:p="http://schemas.openxmlformats.org/presentationml/2006/main">
+  <p:cSld>
+    <p:spTree>
+      <p:nvGrpSpPr>
+        <p:cNvPr id="1" name=""/>
+        <p:cNvGrpSpPr/>
+        <p:nvPr/>
+      </p:nvGrpSpPr>
+      <p:grpSpPr>
+        <a:xfrm>
+          <a:off x="0" y="0"/>
+          <a:ext cx="0" cy="0"/>
+          <a:chOff x="0" y="0"/>
+          <a:chExt cx="0" cy="0"/>
+        </a:xfrm>
+      </p:grpSpPr>
+      <p:sp>
+        <p:nvSpPr>
+          <p:cNvPr id="2" name="Title 1">
+            <a:extLst>
+              <a:ext uri="{FF2B5EF4-FFF2-40B4-BE49-F238E27FC236}">
+                <a16:creationId xmlns:a16="http://schemas.microsoft.com/office/drawing/2014/main" id="{6A0DF111-4BB5-4000-89FF-661CBECEC0B9}"/>
+              </a:ext>
+            </a:extLst>
+          </p:cNvPr>
+          <p:cNvSpPr>
+            <a:spLocks noGrp="1"/>
+          </p:cNvSpPr>
+          <p:nvPr>
+            <p:ph type="title"/>
+          </p:nvPr>
+        </p:nvSpPr>
+        <p:spPr/>
+        <p:txBody>
+          <a:bodyPr/>
+          <a:lstStyle/>
+          <a:p>
+            <a:endParaRPr lang="zh-CN" altLang="en-US"/>
+          </a:p>
+        </p:txBody>
+      </p:sp>
+      <p:sp>
+        <p:nvSpPr>
+          <p:cNvPr id="3" name="Content Placeholder 2">
+            <a:extLst>
+              <a:ext uri="{FF2B5EF4-FFF2-40B4-BE49-F238E27FC236}">
+                <a16:creationId xmlns:a16="http://schemas.microsoft.com/office/drawing/2014/main" id="{0F04AB15-363A-4994-8CBB-1DAA81416ACB}"/>
+              </a:ext>
+            </a:extLst>
+          </p:cNvPr>
+          <p:cNvSpPr>
+            <a:spLocks noGrp="1"/>
+          </p:cNvSpPr>
+          <p:nvPr>
+            <p:ph idx="1"/>
+          </p:nvPr>
+        </p:nvSpPr>
+        <p:spPr/>
+        <p:txBody>
+          <a:bodyPr/>
+          <a:lstStyle/>
+          <a:p>
+            <a:endParaRPr lang="zh-CN" altLang="en-US"/>
+          </a:p>
+        </p:txBody>
+      </p:sp>
+    </p:spTree>
+    <p:extLst>
+      <p:ext uri="{BB962C8B-B14F-4D97-AF65-F5344CB8AC3E}">
+        <p14:creationId xmlns:p14="http://schemas.microsoft.com/office/powerpoint/2010/main" val="2447973969"/>
       </p:ext>
     </p:extLst>
   </p:cSld>
